--- a/Presentation.pptx
+++ b/Presentation.pptx
@@ -5275,32 +5275,6 @@
             </a:r>
             <a:endParaRPr/>
           </a:p>
-          <a:p>
-            <a:pPr>
-              <a:defRPr/>
-            </a:pPr>
-            <a:r>
-              <a:rPr/>
-              <a:t>Утиная типизация</a:t>
-            </a:r>
-            <a:endParaRPr/>
-          </a:p>
-          <a:p>
-            <a:pPr>
-              <a:defRPr/>
-            </a:pPr>
-            <a:r>
-              <a:rPr/>
-              <a:t>Унификация логирования с requestId</a:t>
-            </a:r>
-            <a:endParaRPr/>
-          </a:p>
-          <a:p>
-            <a:pPr>
-              <a:defRPr/>
-            </a:pPr>
-            <a:endParaRPr/>
-          </a:p>
         </p:txBody>
       </p:sp>
     </p:spTree>

--- a/Presentation.pptx
+++ b/Presentation.pptx
@@ -6007,46 +6007,10 @@
           </a:prstGeom>
         </p:spPr>
         <p:txBody>
-          <a:bodyPr vert="horz" lIns="91440" tIns="45720" rIns="91440" bIns="45720" rtlCol="0">
-            <a:normAutofit/>
+          <a:bodyPr vertOverflow="overflow" horzOverflow="clip" vert="horz" wrap="square" lIns="91440" tIns="45720" rIns="91440" bIns="45720" numCol="1" spcCol="0" rtlCol="0" fromWordArt="0" anchor="t" anchorCtr="0" forceAA="0" upright="0" compatLnSpc="0">
+            <a:normAutofit fontScale="80000" lnSpcReduction="4000"/>
           </a:bodyPr>
           <a:lstStyle/>
-          <a:p>
-            <a:pPr>
-              <a:defRPr/>
-            </a:pPr>
-            <a:r>
-              <a:rPr/>
-              <a:t>Вынесение изменяемых столбцов </a:t>
-            </a:r>
-            <a:r>
-              <a:rPr lang="ru-RU" sz="2800" b="0" i="0" u="none" strike="noStrike" cap="none" spc="29">
-                <a:solidFill>
-                  <a:srgbClr val="603636"/>
-                </a:solidFill>
-                <a:latin typeface="+mn-lt"/>
-                <a:ea typeface="+mn-ea"/>
-                <a:cs typeface="Arial"/>
-              </a:rPr>
-              <a:t>orderData.score, </a:t>
-            </a:r>
-            <a:r>
-              <a:rPr lang="ru-RU" sz="2800" b="0" i="0" u="none" strike="noStrike" cap="none" spc="29">
-                <a:solidFill>
-                  <a:srgbClr val="603636"/>
-                </a:solidFill>
-                <a:latin typeface="+mn-lt"/>
-                <a:ea typeface="+mn-ea"/>
-                <a:cs typeface="Arial"/>
-              </a:rPr>
-              <a:t>balance.release в postgres memory</a:t>
-            </a:r>
-            <a:r>
-              <a:rPr/>
-              <a:t> - таблицы</a:t>
-            </a:r>
-            <a:endParaRPr/>
-          </a:p>
           <a:p>
             <a:pPr>
               <a:defRPr/>
@@ -6090,7 +6054,241 @@
               </a:rPr>
               <a:t>Api first:  swagger api -&gt; генерация кода хэндлеров с учетом использования chi</a:t>
             </a:r>
-            <a:endParaRPr/>
+            <a:endParaRPr lang="ru-RU" sz="2800" b="0" i="0" u="none" strike="noStrike" cap="none" spc="29">
+              <a:solidFill>
+                <a:srgbClr val="603636"/>
+              </a:solidFill>
+              <a:latin typeface="Times New Roman"/>
+              <a:ea typeface="Times New Roman"/>
+              <a:cs typeface="Times New Roman"/>
+            </a:endParaRPr>
+          </a:p>
+          <a:p>
+            <a:pPr>
+              <a:defRPr/>
+            </a:pPr>
+            <a:r>
+              <a:rPr lang="ru-RU" sz="2800" b="0" i="0" u="none" strike="noStrike" cap="none" spc="29">
+                <a:solidFill>
+                  <a:srgbClr val="603636"/>
+                </a:solidFill>
+                <a:latin typeface="Times New Roman"/>
+                <a:ea typeface="Times New Roman"/>
+                <a:cs typeface="Times New Roman"/>
+              </a:rPr>
+              <a:t>Разработка продуктового решения:</a:t>
+            </a:r>
+            <a:endParaRPr lang="ru-RU" sz="2800" b="0" i="0" u="none" strike="noStrike" cap="none" spc="29">
+              <a:solidFill>
+                <a:srgbClr val="603636"/>
+              </a:solidFill>
+              <a:latin typeface="Times New Roman"/>
+              <a:ea typeface="Times New Roman"/>
+              <a:cs typeface="Times New Roman"/>
+            </a:endParaRPr>
+          </a:p>
+          <a:p>
+            <a:pPr lvl="1">
+              <a:defRPr/>
+            </a:pPr>
+            <a:r>
+              <a:rPr lang="ru-RU" sz="2400" b="0" i="0" u="none" strike="noStrike" cap="none" spc="29">
+                <a:solidFill>
+                  <a:srgbClr val="603636"/>
+                </a:solidFill>
+                <a:latin typeface="Times New Roman"/>
+                <a:ea typeface="Times New Roman"/>
+                <a:cs typeface="Times New Roman"/>
+              </a:rPr>
+              <a:t>архитектура продуктового решения (nginx, pgbouncer)</a:t>
+            </a:r>
+            <a:endParaRPr lang="ru-RU" sz="2400" b="0" i="0" u="none" strike="noStrike" cap="none" spc="29">
+              <a:solidFill>
+                <a:srgbClr val="603636"/>
+              </a:solidFill>
+              <a:latin typeface="Times New Roman"/>
+              <a:ea typeface="Times New Roman"/>
+              <a:cs typeface="Times New Roman"/>
+            </a:endParaRPr>
+          </a:p>
+          <a:p>
+            <a:pPr lvl="1">
+              <a:defRPr/>
+            </a:pPr>
+            <a:r>
+              <a:rPr lang="ru-RU" sz="2400" b="0" i="0" u="none" strike="noStrike" cap="none" spc="29">
+                <a:solidFill>
+                  <a:srgbClr val="603636"/>
+                </a:solidFill>
+                <a:latin typeface="Times New Roman"/>
+                <a:ea typeface="Times New Roman"/>
+                <a:cs typeface="Times New Roman"/>
+              </a:rPr>
+              <a:t>интеграционное тестирование </a:t>
+            </a:r>
+            <a:endParaRPr lang="ru-RU" sz="2400" b="0" i="0" u="none" strike="noStrike" cap="none" spc="29">
+              <a:solidFill>
+                <a:srgbClr val="603636"/>
+              </a:solidFill>
+              <a:latin typeface="Times New Roman"/>
+              <a:ea typeface="Times New Roman"/>
+              <a:cs typeface="Times New Roman"/>
+            </a:endParaRPr>
+          </a:p>
+          <a:p>
+            <a:pPr lvl="1">
+              <a:defRPr/>
+            </a:pPr>
+            <a:r>
+              <a:rPr lang="ru-RU" sz="2400" b="0" i="0" u="none" strike="noStrike" cap="none" spc="29">
+                <a:solidFill>
+                  <a:srgbClr val="603636"/>
+                </a:solidFill>
+                <a:latin typeface="Times New Roman"/>
+                <a:ea typeface="Times New Roman"/>
+                <a:cs typeface="Times New Roman"/>
+              </a:rPr>
+              <a:t>нагрузочное тестирование</a:t>
+            </a:r>
+            <a:endParaRPr lang="ru-RU" sz="2400" b="0" i="0" u="none" strike="noStrike" cap="none" spc="29">
+              <a:solidFill>
+                <a:srgbClr val="603636"/>
+              </a:solidFill>
+              <a:latin typeface="Times New Roman"/>
+              <a:ea typeface="Times New Roman"/>
+              <a:cs typeface="Times New Roman"/>
+            </a:endParaRPr>
+          </a:p>
+          <a:p>
+            <a:pPr lvl="1">
+              <a:defRPr/>
+            </a:pPr>
+            <a:r>
+              <a:rPr lang="ru-RU" sz="2400" b="0" i="0" u="none" strike="noStrike" cap="none" spc="29">
+                <a:solidFill>
+                  <a:srgbClr val="603636"/>
+                </a:solidFill>
+                <a:latin typeface="Times New Roman"/>
+                <a:ea typeface="Times New Roman"/>
+                <a:cs typeface="Times New Roman"/>
+              </a:rPr>
+              <a:t>выкатывание в прод, мониторинг в проде (</a:t>
+            </a:r>
+            <a:r>
+              <a:rPr lang="ru-RU" sz="1900" b="0" i="0" u="none" strike="noStrike" cap="none" spc="29">
+                <a:solidFill>
+                  <a:srgbClr val="603636"/>
+                </a:solidFill>
+                <a:latin typeface="Times New Roman"/>
+                <a:ea typeface="Times New Roman"/>
+                <a:cs typeface="Times New Roman"/>
+              </a:rPr>
+              <a:t>go-metrics!!!</a:t>
+            </a:r>
+            <a:r>
+              <a:rPr lang="ru-RU" sz="2400" b="0" i="0" u="none" strike="noStrike" cap="none" spc="29">
+                <a:solidFill>
+                  <a:srgbClr val="603636"/>
+                </a:solidFill>
+                <a:latin typeface="Times New Roman"/>
+                <a:ea typeface="Times New Roman"/>
+                <a:cs typeface="Times New Roman"/>
+              </a:rPr>
+              <a:t>)</a:t>
+            </a:r>
+            <a:endParaRPr lang="ru-RU" sz="2800" b="0" i="0" u="none" strike="noStrike" cap="none" spc="29">
+              <a:solidFill>
+                <a:srgbClr val="603636"/>
+              </a:solidFill>
+              <a:latin typeface="Times New Roman"/>
+              <a:ea typeface="Times New Roman"/>
+              <a:cs typeface="Times New Roman"/>
+            </a:endParaRPr>
+          </a:p>
+          <a:p>
+            <a:pPr>
+              <a:defRPr/>
+            </a:pPr>
+            <a:r>
+              <a:rPr lang="ru-RU" sz="2800" b="0" i="0" u="none" strike="noStrike" cap="none" spc="29">
+                <a:solidFill>
+                  <a:srgbClr val="603636"/>
+                </a:solidFill>
+                <a:latin typeface="Times New Roman"/>
+                <a:ea typeface="Times New Roman"/>
+                <a:cs typeface="Times New Roman"/>
+              </a:rPr>
+              <a:t>ФРОНТ</a:t>
+            </a:r>
+            <a:endParaRPr lang="ru-RU" sz="2800" b="0" i="0" u="none" strike="noStrike" cap="none" spc="29">
+              <a:solidFill>
+                <a:srgbClr val="603636"/>
+              </a:solidFill>
+              <a:latin typeface="Times New Roman"/>
+              <a:ea typeface="Times New Roman"/>
+              <a:cs typeface="Times New Roman"/>
+            </a:endParaRPr>
+          </a:p>
+          <a:p>
+            <a:pPr>
+              <a:defRPr/>
+            </a:pPr>
+            <a:r>
+              <a:rPr lang="ru-RU" sz="2800" b="0" i="0" u="none" strike="noStrike" cap="none" spc="28">
+                <a:solidFill>
+                  <a:srgbClr val="603636"/>
+                </a:solidFill>
+                <a:latin typeface="Times New Roman"/>
+                <a:ea typeface="Times New Roman"/>
+                <a:cs typeface="Times New Roman"/>
+              </a:rPr>
+              <a:t>Поэкспериментировать с вынесением</a:t>
+            </a:r>
+            <a:r>
+              <a:rPr lang="ru-RU" sz="2800" b="0" i="0" u="none" strike="noStrike" cap="none" spc="28">
+                <a:solidFill>
+                  <a:srgbClr val="603636"/>
+                </a:solidFill>
+                <a:latin typeface="Times New Roman"/>
+                <a:ea typeface="Arial"/>
+                <a:cs typeface="Arial"/>
+              </a:rPr>
+              <a:t> изменяемых столбцов </a:t>
+            </a:r>
+            <a:r>
+              <a:rPr lang="ru-RU" sz="2800" b="0" i="0" u="none" strike="noStrike" cap="none" spc="27">
+                <a:solidFill>
+                  <a:srgbClr val="603636"/>
+                </a:solidFill>
+                <a:latin typeface="Times New Roman"/>
+                <a:ea typeface="Arial"/>
+                <a:cs typeface="Arial"/>
+              </a:rPr>
+              <a:t>orderData.score, </a:t>
+            </a:r>
+            <a:r>
+              <a:rPr lang="ru-RU" sz="2800" b="0" i="0" u="none" strike="noStrike" cap="none" spc="27">
+                <a:solidFill>
+                  <a:srgbClr val="603636"/>
+                </a:solidFill>
+                <a:latin typeface="Times New Roman"/>
+                <a:ea typeface="Arial"/>
+                <a:cs typeface="Arial"/>
+              </a:rPr>
+              <a:t>balance.release в memory</a:t>
+            </a:r>
+            <a:r>
+              <a:rPr lang="ru-RU" sz="2800" b="0" i="0" u="none" strike="noStrike" cap="none" spc="28">
+                <a:solidFill>
+                  <a:srgbClr val="603636"/>
+                </a:solidFill>
+                <a:latin typeface="Times New Roman"/>
+                <a:ea typeface="Arial"/>
+                <a:cs typeface="Arial"/>
+              </a:rPr>
+              <a:t> tablespace</a:t>
+            </a:r>
+            <a:endParaRPr lang="ru-RU"/>
           </a:p>
           <a:p>
             <a:pPr>

--- a/Presentation.pptx
+++ b/Presentation.pptx
@@ -12,8 +12,6 @@
     <p:sldId id="260" r:id="rId7"/>
     <p:sldId id="261" r:id="rId8"/>
     <p:sldId id="262" r:id="rId9"/>
-    <p:sldId id="263" r:id="rId10"/>
-    <p:sldId id="264" r:id="rId11"/>
   </p:sldIdLst>
   <p:sldSz cx="12192000" cy="6858000"/>
   <p:notesSz cx="12192000" cy="6858000"/>
@@ -5038,7 +5036,7 @@
                 <a:ea typeface="Times New Roman"/>
                 <a:cs typeface="Times New Roman"/>
               </a:rPr>
-              <a:t>Смотрим в excalidraw</a:t>
+              <a:t>Смотрим в схему</a:t>
             </a:r>
             <a:endParaRPr/>
           </a:p>
@@ -5073,7 +5071,7 @@
                 <a:ea typeface="Times New Roman"/>
                 <a:cs typeface="Times New Roman"/>
               </a:rPr>
-              <a:t>https://excalidraw.com/#json=uiUFkCfLMqsv-u8bxyE6o,3SRUz51CeOZk1hqePrFKsQ</a:t>
+              <a:t>https://drive.google.com/file/d/1h8H0nR_-SBH6htQg7pok8_BWn3o2qCTf/view?usp=sharing</a:t>
             </a:r>
             <a:endParaRPr lang="ru-RU" sz="2800" b="0" i="0" u="none" strike="noStrike" cap="none" spc="29">
               <a:solidFill>
@@ -5552,7 +5550,7 @@
             </a:pPr>
             <a:r>
               <a:rPr/>
-              <a:t>Пулинг системы начислений</a:t>
+              <a:t>Научился</a:t>
             </a:r>
             <a:endParaRPr/>
           </a:p>
@@ -5578,8 +5576,8 @@
           </a:prstGeom>
         </p:spPr>
         <p:txBody>
-          <a:bodyPr vert="horz" lIns="91440" tIns="45720" rIns="91440" bIns="45720" rtlCol="0">
-            <a:normAutofit/>
+          <a:bodyPr vertOverflow="overflow" horzOverflow="clip" vert="horz" wrap="square" lIns="91440" tIns="45720" rIns="91440" bIns="45720" numCol="1" spcCol="0" rtlCol="0" fromWordArt="0" anchor="t" anchorCtr="0" forceAA="0" upright="0" compatLnSpc="0">
+            <a:normAutofit fontScale="80000" lnSpcReduction="4000"/>
           </a:bodyPr>
           <a:lstStyle/>
           <a:p>
@@ -5588,8 +5586,114 @@
             </a:pPr>
             <a:r>
               <a:rPr/>
-              <a:t>order.PoolAcrualSystem  (смотрим код)</a:t>
-            </a:r>
+              <a:t>Структура Go-приложения (cmd/internal), </a:t>
+            </a:r>
+            <a:endParaRPr/>
+          </a:p>
+          <a:p>
+            <a:pPr>
+              <a:defRPr/>
+            </a:pPr>
+            <a:r>
+              <a:rPr/>
+              <a:t>Гексагональная архитектура</a:t>
+            </a:r>
+            <a:endParaRPr/>
+          </a:p>
+          <a:p>
+            <a:pPr>
+              <a:defRPr/>
+            </a:pPr>
+            <a:r>
+              <a:rPr/>
+              <a:t>Особенности Go (утиная типизация)</a:t>
+            </a:r>
+            <a:endParaRPr/>
+          </a:p>
+          <a:p>
+            <a:pPr>
+              <a:defRPr/>
+            </a:pPr>
+            <a:r>
+              <a:rPr/>
+              <a:t>Подход к логированию (main logger, </a:t>
+            </a:r>
+            <a:r>
+              <a:rPr lang="ru-RU" sz="2800" b="0" i="0" u="none" strike="noStrike" cap="none" spc="29">
+                <a:solidFill>
+                  <a:srgbClr val="603636"/>
+                </a:solidFill>
+                <a:latin typeface="+mn-lt"/>
+                <a:ea typeface="+mn-ea"/>
+                <a:cs typeface="Arial"/>
+              </a:rPr>
+              <a:t>requestId на запросы</a:t>
+            </a:r>
+            <a:r>
+              <a:rPr/>
+              <a:t>)</a:t>
+            </a:r>
+            <a:endParaRPr/>
+          </a:p>
+          <a:p>
+            <a:pPr>
+              <a:defRPr/>
+            </a:pPr>
+            <a:r>
+              <a:rPr/>
+              <a:t>Технологии (pgx, chi, resty, zap, gomock + testcontainers/TestMain для конфигурации)</a:t>
+            </a:r>
+            <a:endParaRPr/>
+          </a:p>
+          <a:p>
+            <a:pPr>
+              <a:defRPr/>
+            </a:pPr>
+            <a:r>
+              <a:rPr lang="ru-RU" sz="2800" b="0" i="0" u="none" strike="noStrike" cap="none" spc="29">
+                <a:solidFill>
+                  <a:srgbClr val="603636"/>
+                </a:solidFill>
+                <a:latin typeface="+mn-lt"/>
+                <a:ea typeface="+mn-ea"/>
+                <a:cs typeface="Arial"/>
+              </a:rPr>
+              <a:t>Работы с каналами (Advanced Go Concurrency Patterns)</a:t>
+            </a:r>
+            <a:endParaRPr/>
+          </a:p>
+          <a:p>
+            <a:pPr>
+              <a:defRPr/>
+            </a:pPr>
+            <a:r>
+              <a:rPr/>
+              <a:t>Adr!!</a:t>
+            </a:r>
+            <a:endParaRPr/>
+          </a:p>
+          <a:p>
+            <a:pPr>
+              <a:defRPr/>
+            </a:pPr>
+            <a:endParaRPr/>
+          </a:p>
+          <a:p>
+            <a:pPr>
+              <a:defRPr/>
+            </a:pPr>
+            <a:endParaRPr/>
+          </a:p>
+          <a:p>
+            <a:pPr>
+              <a:defRPr/>
+            </a:pPr>
+            <a:endParaRPr/>
+          </a:p>
+          <a:p>
+            <a:pPr>
+              <a:defRPr/>
+            </a:pPr>
             <a:endParaRPr/>
           </a:p>
         </p:txBody>
@@ -5657,7 +5761,7 @@
             </a:pPr>
             <a:r>
               <a:rPr/>
-              <a:t>Обновление баланса</a:t>
+              <a:t>Тех. эволюция</a:t>
             </a:r>
             <a:endParaRPr/>
           </a:p>
@@ -5683,8 +5787,8 @@
           </a:prstGeom>
         </p:spPr>
         <p:txBody>
-          <a:bodyPr vert="horz" lIns="91440" tIns="45720" rIns="91440" bIns="45720" rtlCol="0">
-            <a:normAutofit/>
+          <a:bodyPr vertOverflow="overflow" horzOverflow="clip" vert="horz" wrap="square" lIns="91440" tIns="45720" rIns="91440" bIns="45720" numCol="1" spcCol="0" rtlCol="0" fromWordArt="0" anchor="t" anchorCtr="0" forceAA="0" upright="0" compatLnSpc="0">
+            <a:normAutofit fontScale="90000" lnSpcReduction="2000"/>
           </a:bodyPr>
           <a:lstStyle/>
           <a:p>
@@ -5693,23 +5797,222 @@
             </a:pPr>
             <a:r>
               <a:rPr/>
-              <a:t>balance.PoolOrders</a:t>
-            </a:r>
-            <a:r>
-              <a:rPr/>
-              <a:t> </a:t>
+              <a:t>Миграции БД </a:t>
             </a:r>
             <a:r>
               <a:rPr lang="ru-RU" sz="2800" b="0" i="0" u="none" strike="noStrike" cap="none" spc="29">
                 <a:solidFill>
                   <a:srgbClr val="603636"/>
                 </a:solidFill>
-                <a:latin typeface="+mn-lt"/>
-                <a:ea typeface="+mn-ea"/>
-                <a:cs typeface="Arial"/>
+                <a:latin typeface="Times New Roman"/>
+                <a:ea typeface="Times New Roman"/>
+                <a:cs typeface="Times New Roman"/>
               </a:rPr>
-              <a:t>(смотрим код)</a:t>
-            </a:r>
+              <a:t>https://github.com/pressly/goose</a:t>
+            </a:r>
+            <a:endParaRPr lang="ru-RU" sz="2800" b="0" i="0" u="none" strike="noStrike" cap="none" spc="29">
+              <a:solidFill>
+                <a:srgbClr val="603636"/>
+              </a:solidFill>
+              <a:latin typeface="Times New Roman"/>
+              <a:ea typeface="Times New Roman"/>
+              <a:cs typeface="Times New Roman"/>
+            </a:endParaRPr>
+          </a:p>
+          <a:p>
+            <a:pPr>
+              <a:defRPr/>
+            </a:pPr>
+            <a:r>
+              <a:rPr lang="ru-RU" sz="2800" b="0" i="0" u="none" strike="noStrike" cap="none" spc="29">
+                <a:solidFill>
+                  <a:srgbClr val="603636"/>
+                </a:solidFill>
+                <a:latin typeface="Times New Roman"/>
+                <a:ea typeface="Times New Roman"/>
+                <a:cs typeface="Times New Roman"/>
+              </a:rPr>
+              <a:t>Api first:  swagger api -&gt; генерация кода хэндлеров с учетом использования chi</a:t>
+            </a:r>
+            <a:endParaRPr lang="ru-RU" sz="2800" b="0" i="0" u="none" strike="noStrike" cap="none" spc="29">
+              <a:solidFill>
+                <a:srgbClr val="603636"/>
+              </a:solidFill>
+              <a:latin typeface="Times New Roman"/>
+              <a:ea typeface="Times New Roman"/>
+              <a:cs typeface="Times New Roman"/>
+            </a:endParaRPr>
+          </a:p>
+          <a:p>
+            <a:pPr>
+              <a:defRPr/>
+            </a:pPr>
+            <a:r>
+              <a:rPr lang="ru-RU" sz="2800" b="0" i="0" u="none" strike="noStrike" cap="none" spc="29">
+                <a:solidFill>
+                  <a:srgbClr val="603636"/>
+                </a:solidFill>
+                <a:latin typeface="Times New Roman"/>
+                <a:ea typeface="Times New Roman"/>
+                <a:cs typeface="Times New Roman"/>
+              </a:rPr>
+              <a:t>Разработка продуктового решения:</a:t>
+            </a:r>
+            <a:endParaRPr lang="ru-RU" sz="2800" b="0" i="0" u="none" strike="noStrike" cap="none" spc="29">
+              <a:solidFill>
+                <a:srgbClr val="603636"/>
+              </a:solidFill>
+              <a:latin typeface="Times New Roman"/>
+              <a:ea typeface="Times New Roman"/>
+              <a:cs typeface="Times New Roman"/>
+            </a:endParaRPr>
+          </a:p>
+          <a:p>
+            <a:pPr lvl="1">
+              <a:defRPr/>
+            </a:pPr>
+            <a:r>
+              <a:rPr lang="ru-RU" sz="2400" b="0" i="0" u="none" strike="noStrike" cap="none" spc="29">
+                <a:solidFill>
+                  <a:srgbClr val="603636"/>
+                </a:solidFill>
+                <a:latin typeface="Times New Roman"/>
+                <a:ea typeface="Times New Roman"/>
+                <a:cs typeface="Times New Roman"/>
+              </a:rPr>
+              <a:t>архитектура продуктового решения (nginx, pgbouncer)</a:t>
+            </a:r>
+            <a:endParaRPr lang="ru-RU" sz="2400" b="0" i="0" u="none" strike="noStrike" cap="none" spc="29">
+              <a:solidFill>
+                <a:srgbClr val="603636"/>
+              </a:solidFill>
+              <a:latin typeface="Times New Roman"/>
+              <a:ea typeface="Times New Roman"/>
+              <a:cs typeface="Times New Roman"/>
+            </a:endParaRPr>
+          </a:p>
+          <a:p>
+            <a:pPr lvl="1">
+              <a:defRPr/>
+            </a:pPr>
+            <a:r>
+              <a:rPr lang="ru-RU" sz="2400" b="0" i="0" u="none" strike="noStrike" cap="none" spc="29">
+                <a:solidFill>
+                  <a:srgbClr val="603636"/>
+                </a:solidFill>
+                <a:latin typeface="Times New Roman"/>
+                <a:ea typeface="Times New Roman"/>
+                <a:cs typeface="Times New Roman"/>
+              </a:rPr>
+              <a:t>интеграционное тестирование </a:t>
+            </a:r>
+            <a:endParaRPr lang="ru-RU" sz="2400" b="0" i="0" u="none" strike="noStrike" cap="none" spc="29">
+              <a:solidFill>
+                <a:srgbClr val="603636"/>
+              </a:solidFill>
+              <a:latin typeface="Times New Roman"/>
+              <a:ea typeface="Times New Roman"/>
+              <a:cs typeface="Times New Roman"/>
+            </a:endParaRPr>
+          </a:p>
+          <a:p>
+            <a:pPr lvl="1">
+              <a:defRPr/>
+            </a:pPr>
+            <a:r>
+              <a:rPr lang="ru-RU" sz="2400" b="0" i="0" u="none" strike="noStrike" cap="none" spc="29">
+                <a:solidFill>
+                  <a:srgbClr val="603636"/>
+                </a:solidFill>
+                <a:latin typeface="Times New Roman"/>
+                <a:ea typeface="Times New Roman"/>
+                <a:cs typeface="Times New Roman"/>
+              </a:rPr>
+              <a:t>нагрузочное тестирование</a:t>
+            </a:r>
+            <a:endParaRPr lang="ru-RU" sz="2400" b="0" i="0" u="none" strike="noStrike" cap="none" spc="29">
+              <a:solidFill>
+                <a:srgbClr val="603636"/>
+              </a:solidFill>
+              <a:latin typeface="Times New Roman"/>
+              <a:ea typeface="Times New Roman"/>
+              <a:cs typeface="Times New Roman"/>
+            </a:endParaRPr>
+          </a:p>
+          <a:p>
+            <a:pPr lvl="1">
+              <a:defRPr/>
+            </a:pPr>
+            <a:r>
+              <a:rPr lang="ru-RU" sz="2400" b="0" i="0" u="none" strike="noStrike" cap="none" spc="29">
+                <a:solidFill>
+                  <a:srgbClr val="603636"/>
+                </a:solidFill>
+                <a:latin typeface="Times New Roman"/>
+                <a:ea typeface="Times New Roman"/>
+                <a:cs typeface="Times New Roman"/>
+              </a:rPr>
+              <a:t>выкатывание в прод, мониторинг в проде (</a:t>
+            </a:r>
+            <a:r>
+              <a:rPr lang="ru-RU" sz="1900" b="0" i="0" u="none" strike="noStrike" cap="none" spc="29">
+                <a:solidFill>
+                  <a:srgbClr val="603636"/>
+                </a:solidFill>
+                <a:latin typeface="Times New Roman"/>
+                <a:ea typeface="Times New Roman"/>
+                <a:cs typeface="Times New Roman"/>
+              </a:rPr>
+              <a:t>go-metrics!!!</a:t>
+            </a:r>
+            <a:r>
+              <a:rPr lang="ru-RU" sz="2400" b="0" i="0" u="none" strike="noStrike" cap="none" spc="29">
+                <a:solidFill>
+                  <a:srgbClr val="603636"/>
+                </a:solidFill>
+                <a:latin typeface="Times New Roman"/>
+                <a:ea typeface="Times New Roman"/>
+                <a:cs typeface="Times New Roman"/>
+              </a:rPr>
+              <a:t>)</a:t>
+            </a:r>
+            <a:endParaRPr lang="ru-RU" sz="2800" b="0" i="0" u="none" strike="noStrike" cap="none" spc="29">
+              <a:solidFill>
+                <a:srgbClr val="603636"/>
+              </a:solidFill>
+              <a:latin typeface="Times New Roman"/>
+              <a:ea typeface="Times New Roman"/>
+              <a:cs typeface="Times New Roman"/>
+            </a:endParaRPr>
+          </a:p>
+          <a:p>
+            <a:pPr>
+              <a:defRPr/>
+            </a:pPr>
+            <a:r>
+              <a:rPr lang="ru-RU" sz="2800" b="0" i="0" u="none" strike="noStrike" cap="none" spc="29">
+                <a:solidFill>
+                  <a:srgbClr val="603636"/>
+                </a:solidFill>
+                <a:latin typeface="Times New Roman"/>
+                <a:ea typeface="Times New Roman"/>
+                <a:cs typeface="Times New Roman"/>
+              </a:rPr>
+              <a:t>ФРОНТ :)</a:t>
+            </a:r>
+            <a:endParaRPr lang="ru-RU" sz="2800" b="0" i="0" u="none" strike="noStrike" cap="none" spc="29">
+              <a:solidFill>
+                <a:srgbClr val="603636"/>
+              </a:solidFill>
+              <a:latin typeface="Times New Roman"/>
+              <a:ea typeface="Times New Roman"/>
+              <a:cs typeface="Times New Roman"/>
+            </a:endParaRPr>
+          </a:p>
+          <a:p>
+            <a:pPr>
+              <a:defRPr/>
+            </a:pPr>
             <a:endParaRPr/>
           </a:p>
         </p:txBody>
@@ -5731,590 +6034,6 @@
 </file>
 
 <file path=ppt/slides/slide7.xml><?xml version="1.0" encoding="utf-8"?>
-<p:sld xmlns:a="http://schemas.openxmlformats.org/drawingml/2006/main" xmlns:r="http://schemas.openxmlformats.org/officeDocument/2006/relationships" xmlns:p="http://schemas.openxmlformats.org/presentationml/2006/main" xmlns:m="http://schemas.openxmlformats.org/officeDocument/2006/math" xmlns:w="http://schemas.openxmlformats.org/wordprocessingml/2006/main" showMasterPhAnim="0" show="1">
-  <p:cSld name="">
-    <p:spTree>
-      <p:nvGrpSpPr>
-        <p:cNvPr id="1" name="" hidden="0"/>
-        <p:cNvGrpSpPr/>
-        <p:nvPr isPhoto="0" userDrawn="0"/>
-      </p:nvGrpSpPr>
-      <p:grpSpPr bwMode="auto">
-        <a:xfrm>
-          <a:off x="0" y="0"/>
-          <a:ext cx="0" cy="0"/>
-          <a:chOff x="0" y="0"/>
-          <a:chExt cx="0" cy="0"/>
-        </a:xfrm>
-      </p:grpSpPr>
-      <p:sp>
-        <p:nvSpPr>
-          <p:cNvPr id="4" name="Заголовок 1" hidden="0"/>
-          <p:cNvSpPr>
-            <a:spLocks noGrp="1"/>
-          </p:cNvSpPr>
-          <p:nvPr isPhoto="0" userDrawn="0">
-            <p:ph type="title" hasCustomPrompt="0"/>
-          </p:nvPr>
-        </p:nvSpPr>
-        <p:spPr bwMode="auto">
-          <a:xfrm>
-            <a:off x="609599" y="274638"/>
-            <a:ext cx="10972800" cy="1143000"/>
-          </a:xfrm>
-          <a:prstGeom prst="rect">
-            <a:avLst/>
-          </a:prstGeom>
-        </p:spPr>
-        <p:txBody>
-          <a:bodyPr vert="horz" lIns="91440" tIns="45720" rIns="91440" bIns="45720" rtlCol="0" anchor="ctr">
-            <a:normAutofit/>
-          </a:bodyPr>
-          <a:lstStyle/>
-          <a:p>
-            <a:pPr>
-              <a:defRPr/>
-            </a:pPr>
-            <a:r>
-              <a:rPr/>
-              <a:t>Научился</a:t>
-            </a:r>
-            <a:endParaRPr/>
-          </a:p>
-        </p:txBody>
-      </p:sp>
-      <p:sp>
-        <p:nvSpPr>
-          <p:cNvPr id="5" name="Текст 2" hidden="0"/>
-          <p:cNvSpPr>
-            <a:spLocks noGrp="1"/>
-          </p:cNvSpPr>
-          <p:nvPr isPhoto="0" userDrawn="0">
-            <p:ph idx="1" hasCustomPrompt="0"/>
-          </p:nvPr>
-        </p:nvSpPr>
-        <p:spPr bwMode="auto">
-          <a:xfrm>
-            <a:off x="609599" y="1600201"/>
-            <a:ext cx="10972800" cy="4525962"/>
-          </a:xfrm>
-          <a:prstGeom prst="rect">
-            <a:avLst/>
-          </a:prstGeom>
-        </p:spPr>
-        <p:txBody>
-          <a:bodyPr vertOverflow="overflow" horzOverflow="clip" vert="horz" wrap="square" lIns="91440" tIns="45720" rIns="91440" bIns="45720" numCol="1" spcCol="0" rtlCol="0" fromWordArt="0" anchor="t" anchorCtr="0" forceAA="0" upright="0" compatLnSpc="0">
-            <a:normAutofit fontScale="80000" lnSpcReduction="4000"/>
-          </a:bodyPr>
-          <a:lstStyle/>
-          <a:p>
-            <a:pPr>
-              <a:defRPr/>
-            </a:pPr>
-            <a:r>
-              <a:rPr/>
-              <a:t>Структура Go-приложения (cmd/internal), </a:t>
-            </a:r>
-            <a:endParaRPr/>
-          </a:p>
-          <a:p>
-            <a:pPr>
-              <a:defRPr/>
-            </a:pPr>
-            <a:r>
-              <a:rPr/>
-              <a:t>Гексагональная архитектура</a:t>
-            </a:r>
-            <a:endParaRPr/>
-          </a:p>
-          <a:p>
-            <a:pPr>
-              <a:defRPr/>
-            </a:pPr>
-            <a:r>
-              <a:rPr/>
-              <a:t>Особенности Go (утиная типизация)</a:t>
-            </a:r>
-            <a:endParaRPr/>
-          </a:p>
-          <a:p>
-            <a:pPr>
-              <a:defRPr/>
-            </a:pPr>
-            <a:r>
-              <a:rPr/>
-              <a:t>Подход к логированию (main logger, </a:t>
-            </a:r>
-            <a:r>
-              <a:rPr lang="ru-RU" sz="2800" b="0" i="0" u="none" strike="noStrike" cap="none" spc="29">
-                <a:solidFill>
-                  <a:srgbClr val="603636"/>
-                </a:solidFill>
-                <a:latin typeface="+mn-lt"/>
-                <a:ea typeface="+mn-ea"/>
-                <a:cs typeface="Arial"/>
-              </a:rPr>
-              <a:t>requestId на запросы</a:t>
-            </a:r>
-            <a:r>
-              <a:rPr/>
-              <a:t>)</a:t>
-            </a:r>
-            <a:endParaRPr/>
-          </a:p>
-          <a:p>
-            <a:pPr>
-              <a:defRPr/>
-            </a:pPr>
-            <a:r>
-              <a:rPr/>
-              <a:t>Работы с каналами (Advanced Go Concurrency Patterns)</a:t>
-            </a:r>
-            <a:endParaRPr/>
-          </a:p>
-          <a:p>
-            <a:pPr>
-              <a:defRPr/>
-            </a:pPr>
-            <a:r>
-              <a:rPr/>
-              <a:t>Технологии (pgx, chi, resty, gomock + testcontainers + TestMain для конфигурации)</a:t>
-            </a:r>
-            <a:endParaRPr/>
-          </a:p>
-          <a:p>
-            <a:pPr>
-              <a:defRPr/>
-            </a:pPr>
-            <a:r>
-              <a:rPr/>
-              <a:t>Adr!!</a:t>
-            </a:r>
-            <a:endParaRPr/>
-          </a:p>
-          <a:p>
-            <a:pPr>
-              <a:defRPr/>
-            </a:pPr>
-            <a:endParaRPr/>
-          </a:p>
-          <a:p>
-            <a:pPr>
-              <a:defRPr/>
-            </a:pPr>
-            <a:endParaRPr/>
-          </a:p>
-          <a:p>
-            <a:pPr>
-              <a:defRPr/>
-            </a:pPr>
-            <a:endParaRPr/>
-          </a:p>
-          <a:p>
-            <a:pPr>
-              <a:defRPr/>
-            </a:pPr>
-            <a:endParaRPr/>
-          </a:p>
-        </p:txBody>
-      </p:sp>
-    </p:spTree>
-  </p:cSld>
-  <p:clrMapOvr>
-    <a:masterClrMapping/>
-  </p:clrMapOvr>
-  <mc:AlternateContent xmlns:mc="http://schemas.openxmlformats.org/markup-compatibility/2006">
-    <mc:Choice xmlns:p14="http://schemas.microsoft.com/office/powerpoint/2010/main" Requires="p14">
-      <p:transition p14:dur="2000" advClick="1"/>
-    </mc:Choice>
-    <mc:Fallback>
-      <p:transition advClick="1"/>
-    </mc:Fallback>
-  </mc:AlternateContent>
-</p:sld>
-</file>
-
-<file path=ppt/slides/slide8.xml><?xml version="1.0" encoding="utf-8"?>
-<p:sld xmlns:a="http://schemas.openxmlformats.org/drawingml/2006/main" xmlns:r="http://schemas.openxmlformats.org/officeDocument/2006/relationships" xmlns:p="http://schemas.openxmlformats.org/presentationml/2006/main" xmlns:m="http://schemas.openxmlformats.org/officeDocument/2006/math" xmlns:w="http://schemas.openxmlformats.org/wordprocessingml/2006/main" showMasterPhAnim="0" show="1">
-  <p:cSld name="">
-    <p:spTree>
-      <p:nvGrpSpPr>
-        <p:cNvPr id="1" name="" hidden="0"/>
-        <p:cNvGrpSpPr/>
-        <p:nvPr isPhoto="0" userDrawn="0"/>
-      </p:nvGrpSpPr>
-      <p:grpSpPr bwMode="auto">
-        <a:xfrm>
-          <a:off x="0" y="0"/>
-          <a:ext cx="0" cy="0"/>
-          <a:chOff x="0" y="0"/>
-          <a:chExt cx="0" cy="0"/>
-        </a:xfrm>
-      </p:grpSpPr>
-      <p:sp>
-        <p:nvSpPr>
-          <p:cNvPr id="4" name="Заголовок 1" hidden="0"/>
-          <p:cNvSpPr>
-            <a:spLocks noGrp="1"/>
-          </p:cNvSpPr>
-          <p:nvPr isPhoto="0" userDrawn="0">
-            <p:ph type="title" hasCustomPrompt="0"/>
-          </p:nvPr>
-        </p:nvSpPr>
-        <p:spPr bwMode="auto">
-          <a:xfrm>
-            <a:off x="609599" y="274638"/>
-            <a:ext cx="10972800" cy="1143000"/>
-          </a:xfrm>
-          <a:prstGeom prst="rect">
-            <a:avLst/>
-          </a:prstGeom>
-        </p:spPr>
-        <p:txBody>
-          <a:bodyPr vert="horz" lIns="91440" tIns="45720" rIns="91440" bIns="45720" rtlCol="0" anchor="ctr">
-            <a:normAutofit/>
-          </a:bodyPr>
-          <a:lstStyle/>
-          <a:p>
-            <a:pPr>
-              <a:defRPr/>
-            </a:pPr>
-            <a:r>
-              <a:rPr/>
-              <a:t>Тех. эволюция</a:t>
-            </a:r>
-            <a:endParaRPr/>
-          </a:p>
-        </p:txBody>
-      </p:sp>
-      <p:sp>
-        <p:nvSpPr>
-          <p:cNvPr id="5" name="Текст 2" hidden="0"/>
-          <p:cNvSpPr>
-            <a:spLocks noGrp="1"/>
-          </p:cNvSpPr>
-          <p:nvPr isPhoto="0" userDrawn="0">
-            <p:ph idx="1" hasCustomPrompt="0"/>
-          </p:nvPr>
-        </p:nvSpPr>
-        <p:spPr bwMode="auto">
-          <a:xfrm>
-            <a:off x="609599" y="1600201"/>
-            <a:ext cx="10972800" cy="4525962"/>
-          </a:xfrm>
-          <a:prstGeom prst="rect">
-            <a:avLst/>
-          </a:prstGeom>
-        </p:spPr>
-        <p:txBody>
-          <a:bodyPr vertOverflow="overflow" horzOverflow="clip" vert="horz" wrap="square" lIns="91440" tIns="45720" rIns="91440" bIns="45720" numCol="1" spcCol="0" rtlCol="0" fromWordArt="0" anchor="t" anchorCtr="0" forceAA="0" upright="0" compatLnSpc="0">
-            <a:normAutofit fontScale="80000" lnSpcReduction="4000"/>
-          </a:bodyPr>
-          <a:lstStyle/>
-          <a:p>
-            <a:pPr>
-              <a:defRPr/>
-            </a:pPr>
-            <a:r>
-              <a:rPr/>
-              <a:t>Миграции БД </a:t>
-            </a:r>
-            <a:r>
-              <a:rPr lang="ru-RU" sz="2800" b="0" i="0" u="none" strike="noStrike" cap="none" spc="29">
-                <a:solidFill>
-                  <a:srgbClr val="603636"/>
-                </a:solidFill>
-                <a:latin typeface="Times New Roman"/>
-                <a:ea typeface="Times New Roman"/>
-                <a:cs typeface="Times New Roman"/>
-              </a:rPr>
-              <a:t>https://github.com/pressly/goose</a:t>
-            </a:r>
-            <a:endParaRPr lang="ru-RU" sz="2800" b="0" i="0" u="none" strike="noStrike" cap="none" spc="29">
-              <a:solidFill>
-                <a:srgbClr val="603636"/>
-              </a:solidFill>
-              <a:latin typeface="Times New Roman"/>
-              <a:ea typeface="Times New Roman"/>
-              <a:cs typeface="Times New Roman"/>
-            </a:endParaRPr>
-          </a:p>
-          <a:p>
-            <a:pPr>
-              <a:defRPr/>
-            </a:pPr>
-            <a:r>
-              <a:rPr lang="ru-RU" sz="2800" b="0" i="0" u="none" strike="noStrike" cap="none" spc="29">
-                <a:solidFill>
-                  <a:srgbClr val="603636"/>
-                </a:solidFill>
-                <a:latin typeface="Times New Roman"/>
-                <a:ea typeface="Times New Roman"/>
-                <a:cs typeface="Times New Roman"/>
-              </a:rPr>
-              <a:t>Api first:  swagger api -&gt; генерация кода хэндлеров с учетом использования chi</a:t>
-            </a:r>
-            <a:endParaRPr lang="ru-RU" sz="2800" b="0" i="0" u="none" strike="noStrike" cap="none" spc="29">
-              <a:solidFill>
-                <a:srgbClr val="603636"/>
-              </a:solidFill>
-              <a:latin typeface="Times New Roman"/>
-              <a:ea typeface="Times New Roman"/>
-              <a:cs typeface="Times New Roman"/>
-            </a:endParaRPr>
-          </a:p>
-          <a:p>
-            <a:pPr>
-              <a:defRPr/>
-            </a:pPr>
-            <a:r>
-              <a:rPr lang="ru-RU" sz="2800" b="0" i="0" u="none" strike="noStrike" cap="none" spc="29">
-                <a:solidFill>
-                  <a:srgbClr val="603636"/>
-                </a:solidFill>
-                <a:latin typeface="Times New Roman"/>
-                <a:ea typeface="Times New Roman"/>
-                <a:cs typeface="Times New Roman"/>
-              </a:rPr>
-              <a:t>Разработка продуктового решения:</a:t>
-            </a:r>
-            <a:endParaRPr lang="ru-RU" sz="2800" b="0" i="0" u="none" strike="noStrike" cap="none" spc="29">
-              <a:solidFill>
-                <a:srgbClr val="603636"/>
-              </a:solidFill>
-              <a:latin typeface="Times New Roman"/>
-              <a:ea typeface="Times New Roman"/>
-              <a:cs typeface="Times New Roman"/>
-            </a:endParaRPr>
-          </a:p>
-          <a:p>
-            <a:pPr lvl="1">
-              <a:defRPr/>
-            </a:pPr>
-            <a:r>
-              <a:rPr lang="ru-RU" sz="2400" b="0" i="0" u="none" strike="noStrike" cap="none" spc="29">
-                <a:solidFill>
-                  <a:srgbClr val="603636"/>
-                </a:solidFill>
-                <a:latin typeface="Times New Roman"/>
-                <a:ea typeface="Times New Roman"/>
-                <a:cs typeface="Times New Roman"/>
-              </a:rPr>
-              <a:t>архитектура продуктового решения (nginx, pgbouncer)</a:t>
-            </a:r>
-            <a:endParaRPr lang="ru-RU" sz="2400" b="0" i="0" u="none" strike="noStrike" cap="none" spc="29">
-              <a:solidFill>
-                <a:srgbClr val="603636"/>
-              </a:solidFill>
-              <a:latin typeface="Times New Roman"/>
-              <a:ea typeface="Times New Roman"/>
-              <a:cs typeface="Times New Roman"/>
-            </a:endParaRPr>
-          </a:p>
-          <a:p>
-            <a:pPr lvl="1">
-              <a:defRPr/>
-            </a:pPr>
-            <a:r>
-              <a:rPr lang="ru-RU" sz="2400" b="0" i="0" u="none" strike="noStrike" cap="none" spc="29">
-                <a:solidFill>
-                  <a:srgbClr val="603636"/>
-                </a:solidFill>
-                <a:latin typeface="Times New Roman"/>
-                <a:ea typeface="Times New Roman"/>
-                <a:cs typeface="Times New Roman"/>
-              </a:rPr>
-              <a:t>интеграционное тестирование </a:t>
-            </a:r>
-            <a:endParaRPr lang="ru-RU" sz="2400" b="0" i="0" u="none" strike="noStrike" cap="none" spc="29">
-              <a:solidFill>
-                <a:srgbClr val="603636"/>
-              </a:solidFill>
-              <a:latin typeface="Times New Roman"/>
-              <a:ea typeface="Times New Roman"/>
-              <a:cs typeface="Times New Roman"/>
-            </a:endParaRPr>
-          </a:p>
-          <a:p>
-            <a:pPr lvl="1">
-              <a:defRPr/>
-            </a:pPr>
-            <a:r>
-              <a:rPr lang="ru-RU" sz="2400" b="0" i="0" u="none" strike="noStrike" cap="none" spc="29">
-                <a:solidFill>
-                  <a:srgbClr val="603636"/>
-                </a:solidFill>
-                <a:latin typeface="Times New Roman"/>
-                <a:ea typeface="Times New Roman"/>
-                <a:cs typeface="Times New Roman"/>
-              </a:rPr>
-              <a:t>нагрузочное тестирование</a:t>
-            </a:r>
-            <a:endParaRPr lang="ru-RU" sz="2400" b="0" i="0" u="none" strike="noStrike" cap="none" spc="29">
-              <a:solidFill>
-                <a:srgbClr val="603636"/>
-              </a:solidFill>
-              <a:latin typeface="Times New Roman"/>
-              <a:ea typeface="Times New Roman"/>
-              <a:cs typeface="Times New Roman"/>
-            </a:endParaRPr>
-          </a:p>
-          <a:p>
-            <a:pPr lvl="1">
-              <a:defRPr/>
-            </a:pPr>
-            <a:r>
-              <a:rPr lang="ru-RU" sz="2400" b="0" i="0" u="none" strike="noStrike" cap="none" spc="29">
-                <a:solidFill>
-                  <a:srgbClr val="603636"/>
-                </a:solidFill>
-                <a:latin typeface="Times New Roman"/>
-                <a:ea typeface="Times New Roman"/>
-                <a:cs typeface="Times New Roman"/>
-              </a:rPr>
-              <a:t>выкатывание в прод, мониторинг в проде (</a:t>
-            </a:r>
-            <a:r>
-              <a:rPr lang="ru-RU" sz="1900" b="0" i="0" u="none" strike="noStrike" cap="none" spc="29">
-                <a:solidFill>
-                  <a:srgbClr val="603636"/>
-                </a:solidFill>
-                <a:latin typeface="Times New Roman"/>
-                <a:ea typeface="Times New Roman"/>
-                <a:cs typeface="Times New Roman"/>
-              </a:rPr>
-              <a:t>go-metrics!!!</a:t>
-            </a:r>
-            <a:r>
-              <a:rPr lang="ru-RU" sz="2400" b="0" i="0" u="none" strike="noStrike" cap="none" spc="29">
-                <a:solidFill>
-                  <a:srgbClr val="603636"/>
-                </a:solidFill>
-                <a:latin typeface="Times New Roman"/>
-                <a:ea typeface="Times New Roman"/>
-                <a:cs typeface="Times New Roman"/>
-              </a:rPr>
-              <a:t>)</a:t>
-            </a:r>
-            <a:endParaRPr lang="ru-RU" sz="2800" b="0" i="0" u="none" strike="noStrike" cap="none" spc="29">
-              <a:solidFill>
-                <a:srgbClr val="603636"/>
-              </a:solidFill>
-              <a:latin typeface="Times New Roman"/>
-              <a:ea typeface="Times New Roman"/>
-              <a:cs typeface="Times New Roman"/>
-            </a:endParaRPr>
-          </a:p>
-          <a:p>
-            <a:pPr>
-              <a:defRPr/>
-            </a:pPr>
-            <a:r>
-              <a:rPr lang="ru-RU" sz="2800" b="0" i="0" u="none" strike="noStrike" cap="none" spc="29">
-                <a:solidFill>
-                  <a:srgbClr val="603636"/>
-                </a:solidFill>
-                <a:latin typeface="Times New Roman"/>
-                <a:ea typeface="Times New Roman"/>
-                <a:cs typeface="Times New Roman"/>
-              </a:rPr>
-              <a:t>ФРОНТ</a:t>
-            </a:r>
-            <a:endParaRPr lang="ru-RU" sz="2800" b="0" i="0" u="none" strike="noStrike" cap="none" spc="29">
-              <a:solidFill>
-                <a:srgbClr val="603636"/>
-              </a:solidFill>
-              <a:latin typeface="Times New Roman"/>
-              <a:ea typeface="Times New Roman"/>
-              <a:cs typeface="Times New Roman"/>
-            </a:endParaRPr>
-          </a:p>
-          <a:p>
-            <a:pPr>
-              <a:defRPr/>
-            </a:pPr>
-            <a:r>
-              <a:rPr lang="ru-RU" sz="2800" b="0" i="0" u="none" strike="noStrike" cap="none" spc="28">
-                <a:solidFill>
-                  <a:srgbClr val="603636"/>
-                </a:solidFill>
-                <a:latin typeface="Times New Roman"/>
-                <a:ea typeface="Times New Roman"/>
-                <a:cs typeface="Times New Roman"/>
-              </a:rPr>
-              <a:t>Поэкспериментировать с вынесением</a:t>
-            </a:r>
-            <a:r>
-              <a:rPr lang="ru-RU" sz="2800" b="0" i="0" u="none" strike="noStrike" cap="none" spc="28">
-                <a:solidFill>
-                  <a:srgbClr val="603636"/>
-                </a:solidFill>
-                <a:latin typeface="Times New Roman"/>
-                <a:ea typeface="Arial"/>
-                <a:cs typeface="Arial"/>
-              </a:rPr>
-              <a:t> изменяемых столбцов </a:t>
-            </a:r>
-            <a:r>
-              <a:rPr lang="ru-RU" sz="2800" b="0" i="0" u="none" strike="noStrike" cap="none" spc="27">
-                <a:solidFill>
-                  <a:srgbClr val="603636"/>
-                </a:solidFill>
-                <a:latin typeface="Times New Roman"/>
-                <a:ea typeface="Arial"/>
-                <a:cs typeface="Arial"/>
-              </a:rPr>
-              <a:t>orderData.score, </a:t>
-            </a:r>
-            <a:r>
-              <a:rPr lang="ru-RU" sz="2800" b="0" i="0" u="none" strike="noStrike" cap="none" spc="27">
-                <a:solidFill>
-                  <a:srgbClr val="603636"/>
-                </a:solidFill>
-                <a:latin typeface="Times New Roman"/>
-                <a:ea typeface="Arial"/>
-                <a:cs typeface="Arial"/>
-              </a:rPr>
-              <a:t>balance.release в memory</a:t>
-            </a:r>
-            <a:r>
-              <a:rPr lang="ru-RU" sz="2800" b="0" i="0" u="none" strike="noStrike" cap="none" spc="28">
-                <a:solidFill>
-                  <a:srgbClr val="603636"/>
-                </a:solidFill>
-                <a:latin typeface="Times New Roman"/>
-                <a:ea typeface="Arial"/>
-                <a:cs typeface="Arial"/>
-              </a:rPr>
-              <a:t> tablespace</a:t>
-            </a:r>
-            <a:endParaRPr lang="ru-RU"/>
-          </a:p>
-          <a:p>
-            <a:pPr>
-              <a:defRPr/>
-            </a:pPr>
-            <a:endParaRPr/>
-          </a:p>
-        </p:txBody>
-      </p:sp>
-    </p:spTree>
-  </p:cSld>
-  <p:clrMapOvr>
-    <a:masterClrMapping/>
-  </p:clrMapOvr>
-  <mc:AlternateContent xmlns:mc="http://schemas.openxmlformats.org/markup-compatibility/2006">
-    <mc:Choice xmlns:p14="http://schemas.microsoft.com/office/powerpoint/2010/main" Requires="p14">
-      <p:transition p14:dur="2000" advClick="1"/>
-    </mc:Choice>
-    <mc:Fallback>
-      <p:transition advClick="1"/>
-    </mc:Fallback>
-  </mc:AlternateContent>
-</p:sld>
-</file>
-
-<file path=ppt/slides/slide9.xml><?xml version="1.0" encoding="utf-8"?>
 <p:sld xmlns:a="http://schemas.openxmlformats.org/drawingml/2006/main" xmlns:r="http://schemas.openxmlformats.org/officeDocument/2006/relationships" xmlns:p="http://schemas.openxmlformats.org/presentationml/2006/main" xmlns:m="http://schemas.openxmlformats.org/officeDocument/2006/math" xmlns:w="http://schemas.openxmlformats.org/wordprocessingml/2006/main" showMasterPhAnim="0" show="1">
   <p:cSld name="">
     <p:spTree>
